--- a/diagrams.pptx
+++ b/diagrams.pptx
@@ -291,7 +291,7 @@
           <a:p>
             <a:fld id="{04C57E51-FDF8-CB44-9D48-03E77C0A26C9}" type="datetimeFigureOut">
               <a:rPr lang="en-US" smtClean="0"/>
-              <a:t>8/28/17</a:t>
+              <a:t>8/29/17</a:t>
             </a:fld>
             <a:endParaRPr lang="en-US"/>
           </a:p>
@@ -461,7 +461,7 @@
           <a:p>
             <a:fld id="{04C57E51-FDF8-CB44-9D48-03E77C0A26C9}" type="datetimeFigureOut">
               <a:rPr lang="en-US" smtClean="0"/>
-              <a:t>8/28/17</a:t>
+              <a:t>8/29/17</a:t>
             </a:fld>
             <a:endParaRPr lang="en-US"/>
           </a:p>
@@ -641,7 +641,7 @@
           <a:p>
             <a:fld id="{04C57E51-FDF8-CB44-9D48-03E77C0A26C9}" type="datetimeFigureOut">
               <a:rPr lang="en-US" smtClean="0"/>
-              <a:t>8/28/17</a:t>
+              <a:t>8/29/17</a:t>
             </a:fld>
             <a:endParaRPr lang="en-US"/>
           </a:p>
@@ -811,7 +811,7 @@
           <a:p>
             <a:fld id="{04C57E51-FDF8-CB44-9D48-03E77C0A26C9}" type="datetimeFigureOut">
               <a:rPr lang="en-US" smtClean="0"/>
-              <a:t>8/28/17</a:t>
+              <a:t>8/29/17</a:t>
             </a:fld>
             <a:endParaRPr lang="en-US"/>
           </a:p>
@@ -1057,7 +1057,7 @@
           <a:p>
             <a:fld id="{04C57E51-FDF8-CB44-9D48-03E77C0A26C9}" type="datetimeFigureOut">
               <a:rPr lang="en-US" smtClean="0"/>
-              <a:t>8/28/17</a:t>
+              <a:t>8/29/17</a:t>
             </a:fld>
             <a:endParaRPr lang="en-US"/>
           </a:p>
@@ -1345,7 +1345,7 @@
           <a:p>
             <a:fld id="{04C57E51-FDF8-CB44-9D48-03E77C0A26C9}" type="datetimeFigureOut">
               <a:rPr lang="en-US" smtClean="0"/>
-              <a:t>8/28/17</a:t>
+              <a:t>8/29/17</a:t>
             </a:fld>
             <a:endParaRPr lang="en-US"/>
           </a:p>
@@ -1767,7 +1767,7 @@
           <a:p>
             <a:fld id="{04C57E51-FDF8-CB44-9D48-03E77C0A26C9}" type="datetimeFigureOut">
               <a:rPr lang="en-US" smtClean="0"/>
-              <a:t>8/28/17</a:t>
+              <a:t>8/29/17</a:t>
             </a:fld>
             <a:endParaRPr lang="en-US"/>
           </a:p>
@@ -1885,7 +1885,7 @@
           <a:p>
             <a:fld id="{04C57E51-FDF8-CB44-9D48-03E77C0A26C9}" type="datetimeFigureOut">
               <a:rPr lang="en-US" smtClean="0"/>
-              <a:t>8/28/17</a:t>
+              <a:t>8/29/17</a:t>
             </a:fld>
             <a:endParaRPr lang="en-US"/>
           </a:p>
@@ -1980,7 +1980,7 @@
           <a:p>
             <a:fld id="{04C57E51-FDF8-CB44-9D48-03E77C0A26C9}" type="datetimeFigureOut">
               <a:rPr lang="en-US" smtClean="0"/>
-              <a:t>8/28/17</a:t>
+              <a:t>8/29/17</a:t>
             </a:fld>
             <a:endParaRPr lang="en-US"/>
           </a:p>
@@ -2257,7 +2257,7 @@
           <a:p>
             <a:fld id="{04C57E51-FDF8-CB44-9D48-03E77C0A26C9}" type="datetimeFigureOut">
               <a:rPr lang="en-US" smtClean="0"/>
-              <a:t>8/28/17</a:t>
+              <a:t>8/29/17</a:t>
             </a:fld>
             <a:endParaRPr lang="en-US"/>
           </a:p>
@@ -2510,7 +2510,7 @@
           <a:p>
             <a:fld id="{04C57E51-FDF8-CB44-9D48-03E77C0A26C9}" type="datetimeFigureOut">
               <a:rPr lang="en-US" smtClean="0"/>
-              <a:t>8/28/17</a:t>
+              <a:t>8/29/17</a:t>
             </a:fld>
             <a:endParaRPr lang="en-US"/>
           </a:p>
@@ -2723,7 +2723,7 @@
           <a:p>
             <a:fld id="{04C57E51-FDF8-CB44-9D48-03E77C0A26C9}" type="datetimeFigureOut">
               <a:rPr lang="en-US" smtClean="0"/>
-              <a:t>8/28/17</a:t>
+              <a:t>8/29/17</a:t>
             </a:fld>
             <a:endParaRPr lang="en-US"/>
           </a:p>
@@ -3196,8 +3196,8 @@
         </p:nvSpPr>
         <p:spPr>
           <a:xfrm>
-            <a:off x="6095868" y="2654865"/>
-            <a:ext cx="1755899" cy="609033"/>
+            <a:off x="3853961" y="5487968"/>
+            <a:ext cx="2464139" cy="911914"/>
           </a:xfrm>
           <a:prstGeom prst="rect">
             <a:avLst/>
@@ -3218,14 +3218,15 @@
           </a:fontRef>
         </p:style>
         <p:txBody>
-          <a:bodyPr rtlCol="0" anchor="ctr"/>
+          <a:bodyPr rtlCol="0" anchor="ctr" anchorCtr="1"/>
           <a:lstStyle/>
           <a:p>
             <a:pPr algn="ctr"/>
-            <a:r>
-              <a:rPr lang="en-US" dirty="0" smtClean="0"/>
-              <a:t>Microcontroller</a:t>
-            </a:r>
+            <a:endParaRPr lang="en-US" dirty="0" smtClean="0"/>
+          </a:p>
+          <a:p>
+            <a:pPr algn="ctr"/>
+            <a:endParaRPr lang="en-US" dirty="0" smtClean="0"/>
           </a:p>
         </p:txBody>
       </p:sp>
@@ -3385,8 +3386,8 @@
         </p:nvSpPr>
         <p:spPr>
           <a:xfrm>
-            <a:off x="1433661" y="2654866"/>
-            <a:ext cx="1755899" cy="609033"/>
+            <a:off x="1554866" y="2654866"/>
+            <a:ext cx="1634694" cy="609033"/>
           </a:xfrm>
           <a:prstGeom prst="rect">
             <a:avLst/>
@@ -3426,8 +3427,8 @@
         </p:nvSpPr>
         <p:spPr>
           <a:xfrm>
-            <a:off x="1335800" y="458250"/>
-            <a:ext cx="2041244" cy="646331"/>
+            <a:off x="1727369" y="1183057"/>
+            <a:ext cx="1729259" cy="369332"/>
           </a:xfrm>
           <a:prstGeom prst="rect">
             <a:avLst/>
@@ -3443,13 +3444,7 @@
             <a:pPr algn="ctr"/>
             <a:r>
               <a:rPr lang="en-US" dirty="0" smtClean="0"/>
-              <a:t>MicroGrader Server</a:t>
-            </a:r>
-          </a:p>
-          <a:p>
-            <a:r>
-              <a:rPr lang="en-US" dirty="0" smtClean="0"/>
-              <a:t>(student laptop)</a:t>
+              <a:t>Student’s laptop</a:t>
             </a:r>
           </a:p>
         </p:txBody>
@@ -3462,8 +3457,8 @@
         </p:nvSpPr>
         <p:spPr>
           <a:xfrm>
-            <a:off x="5963111" y="423396"/>
-            <a:ext cx="2052515" cy="646331"/>
+            <a:off x="5963111" y="689994"/>
+            <a:ext cx="1926166" cy="369332"/>
           </a:xfrm>
           <a:prstGeom prst="rect">
             <a:avLst/>
@@ -3478,15 +3473,9 @@
           <a:p>
             <a:r>
               <a:rPr lang="en-US" dirty="0" smtClean="0"/>
-              <a:t>MicroGrader Client</a:t>
-            </a:r>
-          </a:p>
-          <a:p>
-            <a:pPr algn="ctr"/>
-            <a:r>
-              <a:rPr lang="en-US" dirty="0" smtClean="0"/>
-              <a:t>(embedded system)</a:t>
-            </a:r>
+              <a:t>Embedded System</a:t>
+            </a:r>
+            <a:endParaRPr lang="en-US" dirty="0" smtClean="0"/>
           </a:p>
         </p:txBody>
       </p:sp>
@@ -3498,8 +3487,8 @@
         </p:nvSpPr>
         <p:spPr>
           <a:xfrm>
-            <a:off x="1411355" y="3810676"/>
-            <a:ext cx="1755899" cy="609033"/>
+            <a:off x="1554866" y="3810676"/>
+            <a:ext cx="1612388" cy="609033"/>
           </a:xfrm>
           <a:prstGeom prst="rect">
             <a:avLst/>
@@ -3671,8 +3660,8 @@
         </p:nvSpPr>
         <p:spPr>
           <a:xfrm>
-            <a:off x="1836532" y="4498638"/>
-            <a:ext cx="633507" cy="307777"/>
+            <a:off x="1554866" y="4847420"/>
+            <a:ext cx="1590888" cy="307777"/>
           </a:xfrm>
           <a:prstGeom prst="rect">
             <a:avLst/>
@@ -3687,7 +3676,7 @@
           <a:p>
             <a:r>
               <a:rPr lang="en-US" sz="1400" dirty="0" smtClean="0"/>
-              <a:t>Grade</a:t>
+              <a:t>Test results (to file)</a:t>
             </a:r>
           </a:p>
         </p:txBody>
@@ -3700,8 +3689,8 @@
         </p:nvCxnSpPr>
         <p:spPr>
           <a:xfrm>
-            <a:off x="1827538" y="1552311"/>
-            <a:ext cx="8994" cy="1102554"/>
+            <a:off x="1818602" y="1942268"/>
+            <a:ext cx="17930" cy="712597"/>
           </a:xfrm>
           <a:prstGeom prst="straightConnector1">
             <a:avLst/>
@@ -3733,8 +3722,45 @@
         </p:nvSpPr>
         <p:spPr>
           <a:xfrm>
-            <a:off x="1820826" y="1824590"/>
-            <a:ext cx="915172" cy="523220"/>
+            <a:off x="1533367" y="1616451"/>
+            <a:ext cx="1612387" cy="307777"/>
+          </a:xfrm>
+          <a:prstGeom prst="rect">
+            <a:avLst/>
+          </a:prstGeom>
+          <a:noFill/>
+        </p:spPr>
+        <p:txBody>
+          <a:bodyPr wrap="square" rtlCol="0">
+            <a:spAutoFit/>
+          </a:bodyPr>
+          <a:lstStyle/>
+          <a:p>
+            <a:r>
+              <a:rPr lang="en-US" sz="1400" dirty="0" smtClean="0"/>
+              <a:t>Test </a:t>
+            </a:r>
+            <a:r>
+              <a:rPr lang="en-US" sz="1400" dirty="0" smtClean="0"/>
+              <a:t>case (</a:t>
+            </a:r>
+            <a:r>
+              <a:rPr lang="en-US" sz="1400" dirty="0" smtClean="0"/>
+              <a:t>from file)</a:t>
+            </a:r>
+          </a:p>
+        </p:txBody>
+      </p:sp>
+      <p:sp>
+        <p:nvSpPr>
+          <p:cNvPr id="40" name="TextBox 39"/>
+          <p:cNvSpPr txBox="1"/>
+          <p:nvPr/>
+        </p:nvSpPr>
+        <p:spPr>
+          <a:xfrm>
+            <a:off x="3552139" y="2086200"/>
+            <a:ext cx="2222245" cy="738664"/>
           </a:xfrm>
           <a:prstGeom prst="rect">
             <a:avLst/>
@@ -3747,29 +3773,38 @@
           </a:bodyPr>
           <a:lstStyle/>
           <a:p>
+            <a:pPr algn="ctr"/>
             <a:r>
               <a:rPr lang="en-US" sz="1400" dirty="0" smtClean="0"/>
-              <a:t>Test case</a:t>
-            </a:r>
-          </a:p>
-          <a:p>
+              <a:t>Input requests,</a:t>
+            </a:r>
+          </a:p>
+          <a:p>
+            <a:pPr algn="ctr"/>
             <a:r>
               <a:rPr lang="en-US" sz="1400" dirty="0" smtClean="0"/>
-              <a:t>(from file)</a:t>
-            </a:r>
-          </a:p>
-        </p:txBody>
-      </p:sp>
-      <p:sp>
-        <p:nvSpPr>
-          <p:cNvPr id="40" name="TextBox 39"/>
+              <a:t>Interval event observations,</a:t>
+            </a:r>
+          </a:p>
+          <a:p>
+            <a:pPr algn="ctr"/>
+            <a:r>
+              <a:rPr lang="en-US" sz="1400" dirty="0" smtClean="0"/>
+              <a:t>Output observations</a:t>
+            </a:r>
+          </a:p>
+        </p:txBody>
+      </p:sp>
+      <p:sp>
+        <p:nvSpPr>
+          <p:cNvPr id="45" name="TextBox 44"/>
           <p:cNvSpPr txBox="1"/>
           <p:nvPr/>
         </p:nvSpPr>
         <p:spPr>
           <a:xfrm>
-            <a:off x="3552139" y="2086200"/>
-            <a:ext cx="2222245" cy="738664"/>
+            <a:off x="4054684" y="3110010"/>
+            <a:ext cx="1208321" cy="307777"/>
           </a:xfrm>
           <a:prstGeom prst="rect">
             <a:avLst/>
@@ -3782,39 +3817,28 @@
           </a:bodyPr>
           <a:lstStyle/>
           <a:p>
-            <a:pPr algn="ctr"/>
             <a:r>
               <a:rPr lang="en-US" sz="1400" dirty="0" smtClean="0"/>
-              <a:t>Input requests,</a:t>
-            </a:r>
-            <a:endParaRPr lang="en-US" sz="1400" dirty="0" smtClean="0"/>
-          </a:p>
-          <a:p>
-            <a:pPr algn="ctr"/>
+              <a:t>Input </a:t>
+            </a:r>
             <a:r>
               <a:rPr lang="en-US" sz="1400" dirty="0" smtClean="0"/>
-              <a:t>Interval event observations,</a:t>
-            </a:r>
-          </a:p>
-          <a:p>
-            <a:pPr algn="ctr"/>
-            <a:r>
-              <a:rPr lang="en-US" sz="1400" dirty="0" smtClean="0"/>
-              <a:t>Output observations</a:t>
-            </a:r>
-          </a:p>
-        </p:txBody>
-      </p:sp>
-      <p:sp>
-        <p:nvSpPr>
-          <p:cNvPr id="45" name="TextBox 44"/>
+              <a:t>samples</a:t>
+            </a:r>
+            <a:endParaRPr lang="en-US" sz="1400" dirty="0"/>
+          </a:p>
+        </p:txBody>
+      </p:sp>
+      <p:sp>
+        <p:nvSpPr>
+          <p:cNvPr id="50" name="TextBox 49"/>
           <p:cNvSpPr txBox="1"/>
           <p:nvPr/>
         </p:nvSpPr>
         <p:spPr>
           <a:xfrm>
-            <a:off x="4054684" y="3110010"/>
-            <a:ext cx="1208321" cy="307777"/>
+            <a:off x="1852798" y="3278164"/>
+            <a:ext cx="1337100" cy="523220"/>
           </a:xfrm>
           <a:prstGeom prst="rect">
             <a:avLst/>
@@ -3829,7 +3853,13 @@
           <a:p>
             <a:r>
               <a:rPr lang="en-US" sz="1400" dirty="0" smtClean="0"/>
-              <a:t>Input samples</a:t>
+              <a:t>Test case,</a:t>
+            </a:r>
+          </a:p>
+          <a:p>
+            <a:r>
+              <a:rPr lang="en-US" sz="1400" dirty="0" smtClean="0"/>
+              <a:t>Observation log</a:t>
             </a:r>
             <a:endParaRPr lang="en-US" sz="1400" dirty="0"/>
           </a:p>
@@ -3837,14 +3867,14 @@
       </p:sp>
       <p:sp>
         <p:nvSpPr>
-          <p:cNvPr id="50" name="TextBox 49"/>
+          <p:cNvPr id="51" name="TextBox 50"/>
           <p:cNvSpPr txBox="1"/>
           <p:nvPr/>
         </p:nvSpPr>
         <p:spPr>
           <a:xfrm>
-            <a:off x="1852798" y="3278164"/>
-            <a:ext cx="1337100" cy="523220"/>
+            <a:off x="6663064" y="3585642"/>
+            <a:ext cx="1235059" cy="307777"/>
           </a:xfrm>
           <a:prstGeom prst="rect">
             <a:avLst/>
@@ -3859,13 +3889,11 @@
           <a:p>
             <a:r>
               <a:rPr lang="en-US" sz="1400" dirty="0" smtClean="0"/>
-              <a:t>Test case,</a:t>
-            </a:r>
-          </a:p>
-          <a:p>
+              <a:t>Output </a:t>
+            </a:r>
             <a:r>
               <a:rPr lang="en-US" sz="1400" dirty="0" smtClean="0"/>
-              <a:t>Observation log</a:t>
+              <a:t>signals</a:t>
             </a:r>
             <a:endParaRPr lang="en-US" sz="1400" dirty="0"/>
           </a:p>
@@ -3873,14 +3901,14 @@
       </p:sp>
       <p:sp>
         <p:nvSpPr>
-          <p:cNvPr id="51" name="TextBox 50"/>
+          <p:cNvPr id="52" name="TextBox 51"/>
           <p:cNvSpPr txBox="1"/>
           <p:nvPr/>
         </p:nvSpPr>
         <p:spPr>
           <a:xfrm>
-            <a:off x="6663064" y="3585642"/>
-            <a:ext cx="1235059" cy="307777"/>
+            <a:off x="6663064" y="2086200"/>
+            <a:ext cx="1208321" cy="307777"/>
           </a:xfrm>
           <a:prstGeom prst="rect">
             <a:avLst/>
@@ -3895,7 +3923,7 @@
           <a:p>
             <a:r>
               <a:rPr lang="en-US" sz="1400" dirty="0" smtClean="0"/>
-              <a:t>Output signals</a:t>
+              <a:t>Input samples</a:t>
             </a:r>
             <a:endParaRPr lang="en-US" sz="1400" dirty="0"/>
           </a:p>
@@ -3903,14 +3931,59 @@
       </p:sp>
       <p:sp>
         <p:nvSpPr>
-          <p:cNvPr id="52" name="TextBox 51"/>
+          <p:cNvPr id="26" name="Rectangle 25"/>
+          <p:cNvSpPr/>
+          <p:nvPr/>
+        </p:nvSpPr>
+        <p:spPr>
+          <a:xfrm>
+            <a:off x="1384270" y="2086199"/>
+            <a:ext cx="1912711" cy="2566327"/>
+          </a:xfrm>
+          <a:prstGeom prst="rect">
+            <a:avLst/>
+          </a:prstGeom>
+          <a:noFill/>
+          <a:ln>
+            <a:solidFill>
+              <a:schemeClr val="tx1"/>
+            </a:solidFill>
+            <a:prstDash val="sysDash"/>
+          </a:ln>
+        </p:spPr>
+        <p:style>
+          <a:lnRef idx="1">
+            <a:schemeClr val="accent1"/>
+          </a:lnRef>
+          <a:fillRef idx="3">
+            <a:schemeClr val="accent1"/>
+          </a:fillRef>
+          <a:effectRef idx="2">
+            <a:schemeClr val="accent1"/>
+          </a:effectRef>
+          <a:fontRef idx="minor">
+            <a:schemeClr val="lt1"/>
+          </a:fontRef>
+        </p:style>
+        <p:txBody>
+          <a:bodyPr rtlCol="0" anchor="ctr"/>
+          <a:lstStyle/>
+          <a:p>
+            <a:pPr algn="ctr"/>
+            <a:endParaRPr lang="en-US"/>
+          </a:p>
+        </p:txBody>
+      </p:sp>
+      <p:sp>
+        <p:nvSpPr>
+          <p:cNvPr id="27" name="TextBox 26"/>
           <p:cNvSpPr txBox="1"/>
           <p:nvPr/>
         </p:nvSpPr>
         <p:spPr>
           <a:xfrm>
-            <a:off x="6663064" y="2086200"/>
-            <a:ext cx="1208321" cy="307777"/>
+            <a:off x="2402503" y="2086200"/>
+            <a:ext cx="787395" cy="369332"/>
           </a:xfrm>
           <a:prstGeom prst="rect">
             <a:avLst/>
@@ -3923,11 +3996,59 @@
           </a:bodyPr>
           <a:lstStyle/>
           <a:p>
-            <a:r>
-              <a:rPr lang="en-US" sz="1400" dirty="0" smtClean="0"/>
-              <a:t>Input samples</a:t>
-            </a:r>
-            <a:endParaRPr lang="en-US" sz="1400" dirty="0"/>
+            <a:pPr algn="ctr"/>
+            <a:r>
+              <a:rPr lang="en-US" dirty="0" smtClean="0"/>
+              <a:t>Server</a:t>
+            </a:r>
+            <a:endParaRPr lang="en-US" dirty="0" smtClean="0"/>
+          </a:p>
+        </p:txBody>
+      </p:sp>
+      <p:sp>
+        <p:nvSpPr>
+          <p:cNvPr id="3" name="TextBox 2"/>
+          <p:cNvSpPr txBox="1"/>
+          <p:nvPr/>
+        </p:nvSpPr>
+        <p:spPr>
+          <a:xfrm>
+            <a:off x="4057509" y="5628111"/>
+            <a:ext cx="2148658" cy="646331"/>
+          </a:xfrm>
+          <a:prstGeom prst="rect">
+            <a:avLst/>
+          </a:prstGeom>
+          <a:noFill/>
+        </p:spPr>
+        <p:txBody>
+          <a:bodyPr wrap="none" rtlCol="0">
+            <a:spAutoFit/>
+          </a:bodyPr>
+          <a:lstStyle/>
+          <a:p>
+            <a:r>
+              <a:rPr lang="en-US" dirty="0" smtClean="0"/>
+              <a:t>MicroGrader Server</a:t>
+            </a:r>
+          </a:p>
+          <a:p>
+            <a:r>
+              <a:rPr lang="en-US" dirty="0" smtClean="0"/>
+              <a:t>(on </a:t>
+            </a:r>
+            <a:r>
+              <a:rPr lang="en-US" dirty="0" smtClean="0">
+                <a:solidFill>
+                  <a:schemeClr val="bg1"/>
+                </a:solidFill>
+              </a:rPr>
+              <a:t>student’s </a:t>
+            </a:r>
+            <a:r>
+              <a:rPr lang="en-US" dirty="0" smtClean="0"/>
+              <a:t>laptop)</a:t>
+            </a:r>
           </a:p>
         </p:txBody>
       </p:sp>
@@ -5028,7 +5149,6 @@
               <a:rPr lang="en-US" sz="1400" dirty="0" smtClean="0"/>
               <a:t>Input requests,</a:t>
             </a:r>
-            <a:endParaRPr lang="en-US" sz="1400" dirty="0" smtClean="0"/>
           </a:p>
           <a:p>
             <a:pPr algn="ctr"/>
@@ -5859,7 +5979,6 @@
               <a:rPr lang="en-US" sz="1400" dirty="0" smtClean="0"/>
               <a:t>Input samples,</a:t>
             </a:r>
-            <a:endParaRPr lang="en-US" sz="1400" dirty="0" smtClean="0"/>
           </a:p>
           <a:p>
             <a:pPr algn="ctr"/>
